--- a/templates/MasterTemplate.pptx
+++ b/templates/MasterTemplate.pptx
@@ -5,11 +5,14 @@
     <p:sldMasterId id="2147483648" r:id="rId4"/>
   </p:sldMasterIdLst>
   <p:notesMasterIdLst>
-    <p:notesMasterId r:id="rId5"/>
+    <p:notesMasterId r:id="rId6"/>
   </p:notesMasterIdLst>
   <p:handoutMasterIdLst>
-    <p:handoutMasterId r:id="rId6"/>
+    <p:handoutMasterId r:id="rId7"/>
   </p:handoutMasterIdLst>
+  <p:sldIdLst>
+    <p:sldId id="256" r:id="rId5"/>
+  </p:sldIdLst>
   <p:sldSz cx="12192000" cy="6858000"/>
   <p:notesSz cx="6858000" cy="9144000"/>
   <p:defaultTextStyle>
@@ -229,7 +232,7 @@
           <a:p>
             <a:fld id="{258BFD57-AB0A-470B-A7AF-56DFE7B5174A}" type="datetimeFigureOut">
               <a:rPr lang="en-US" smtClean="0"/>
-              <a:t>10/14/24</a:t>
+              <a:t>11/5/2024</a:t>
             </a:fld>
             <a:endParaRPr lang="en-US" dirty="0"/>
           </a:p>
@@ -406,7 +409,7 @@
           <a:p>
             <a:fld id="{D4B3339F-6CEA-4641-BE08-40DAFD6FCF25}" type="datetimeFigureOut">
               <a:rPr lang="en-US" smtClean="0"/>
-              <a:t>10/14/24</a:t>
+              <a:t>11/5/2024</a:t>
             </a:fld>
             <a:endParaRPr lang="en-US" dirty="0"/>
           </a:p>
@@ -776,7 +779,7 @@
             <a:spLocks noGrp="1"/>
           </p:cNvSpPr>
           <p:nvPr>
-            <p:ph type="title" hasCustomPrompt="1"/>
+            <p:ph type="title"/>
           </p:nvPr>
         </p:nvSpPr>
         <p:spPr>
@@ -801,10 +804,7 @@
             </a:lvl1pPr>
           </a:lstStyle>
           <a:p>
-            <a:r>
-              <a:rPr lang="en-US" dirty="0"/>
-              <a:t>Click to add title</a:t>
-            </a:r>
+            <a:endParaRPr lang="en-US" dirty="0"/>
           </a:p>
         </p:txBody>
       </p:sp>
@@ -1226,10 +1226,7 @@
             </a:lvl1pPr>
           </a:lstStyle>
           <a:p>
-            <a:r>
-              <a:rPr lang="en-US" dirty="0"/>
-              <a:t>Click to edit Master title style</a:t>
-            </a:r>
+            <a:endParaRPr lang="en-US" dirty="0"/>
           </a:p>
         </p:txBody>
       </p:sp>
@@ -1302,7 +1299,7 @@
             <a:spLocks noGrp="1"/>
           </p:cNvSpPr>
           <p:nvPr>
-            <p:ph sz="quarter" idx="10" hasCustomPrompt="1"/>
+            <p:ph sz="quarter" idx="10"/>
           </p:nvPr>
         </p:nvSpPr>
         <p:spPr>
@@ -1402,38 +1399,7 @@
           </a:lstStyle>
           <a:p>
             <a:pPr lvl="0"/>
-            <a:r>
-              <a:rPr lang="en-US" dirty="0"/>
-              <a:t>Click to add content</a:t>
-            </a:r>
-          </a:p>
-          <a:p>
-            <a:pPr lvl="1"/>
-            <a:r>
-              <a:rPr lang="en-US" dirty="0"/>
-              <a:t>Second level</a:t>
-            </a:r>
-          </a:p>
-          <a:p>
-            <a:pPr lvl="2"/>
-            <a:r>
-              <a:rPr lang="en-US" dirty="0"/>
-              <a:t>Third level</a:t>
-            </a:r>
-          </a:p>
-          <a:p>
-            <a:pPr lvl="3"/>
-            <a:r>
-              <a:rPr lang="en-US" dirty="0"/>
-              <a:t>Fourth level</a:t>
-            </a:r>
-          </a:p>
-          <a:p>
-            <a:pPr lvl="4"/>
-            <a:r>
-              <a:rPr lang="en-US" dirty="0"/>
-              <a:t>Fifth level</a:t>
-            </a:r>
+            <a:endParaRPr lang="en-US" dirty="0"/>
           </a:p>
         </p:txBody>
       </p:sp>
@@ -1745,7 +1711,7 @@
             <a:spLocks noGrp="1"/>
           </p:cNvSpPr>
           <p:nvPr>
-            <p:ph type="title" hasCustomPrompt="1"/>
+            <p:ph type="title"/>
           </p:nvPr>
         </p:nvSpPr>
         <p:spPr>
@@ -1770,10 +1736,7 @@
             </a:lvl1pPr>
           </a:lstStyle>
           <a:p>
-            <a:r>
-              <a:rPr lang="en-US" dirty="0"/>
-              <a:t>Click to add title</a:t>
-            </a:r>
+            <a:endParaRPr lang="en-US" dirty="0"/>
           </a:p>
         </p:txBody>
       </p:sp>
@@ -1803,7 +1766,7 @@
           <a:bodyPr/>
           <a:lstStyle/>
           <a:p>
-            <a:endParaRPr lang="en-CN"/>
+            <a:endParaRPr lang="en-CN" dirty="0"/>
           </a:p>
         </p:txBody>
       </p:sp>
@@ -2379,7 +2342,7 @@
             <a:spLocks noGrp="1"/>
           </p:cNvSpPr>
           <p:nvPr>
-            <p:ph type="title" hasCustomPrompt="1"/>
+            <p:ph type="title"/>
           </p:nvPr>
         </p:nvSpPr>
         <p:spPr>
@@ -2404,10 +2367,7 @@
             </a:lvl1pPr>
           </a:lstStyle>
           <a:p>
-            <a:r>
-              <a:rPr lang="en-US" dirty="0"/>
-              <a:t>Click to add title</a:t>
-            </a:r>
+            <a:endParaRPr lang="en-US" dirty="0"/>
           </a:p>
         </p:txBody>
       </p:sp>
@@ -2424,7 +2384,7 @@
             <a:spLocks noGrp="1"/>
           </p:cNvSpPr>
           <p:nvPr>
-            <p:ph sz="quarter" idx="35" hasCustomPrompt="1"/>
+            <p:ph sz="quarter" idx="35"/>
           </p:nvPr>
         </p:nvSpPr>
         <p:spPr>
@@ -2523,31 +2483,7 @@
           </a:lstStyle>
           <a:p>
             <a:pPr lvl="0"/>
-            <a:r>
-              <a:rPr lang="en-US" dirty="0"/>
-              <a:t>Click to add content</a:t>
-            </a:r>
-          </a:p>
-          <a:p>
-            <a:pPr lvl="1"/>
-            <a:r>
-              <a:rPr lang="en-US" dirty="0"/>
-              <a:t>Second level</a:t>
-            </a:r>
-          </a:p>
-          <a:p>
-            <a:pPr lvl="2"/>
-            <a:r>
-              <a:rPr lang="en-US" dirty="0"/>
-              <a:t>Third level</a:t>
-            </a:r>
-          </a:p>
-          <a:p>
-            <a:pPr lvl="3"/>
-            <a:r>
-              <a:rPr lang="en-US" dirty="0"/>
-              <a:t>Fourth level</a:t>
-            </a:r>
+            <a:endParaRPr lang="en-US" dirty="0"/>
           </a:p>
         </p:txBody>
       </p:sp>
@@ -2577,7 +2513,7 @@
           <a:bodyPr/>
           <a:lstStyle/>
           <a:p>
-            <a:endParaRPr lang="en-CN"/>
+            <a:endParaRPr lang="en-CN" dirty="0"/>
           </a:p>
         </p:txBody>
       </p:sp>
@@ -3504,7 +3440,7 @@
             <a:spLocks noGrp="1"/>
           </p:cNvSpPr>
           <p:nvPr>
-            <p:ph type="title" hasCustomPrompt="1"/>
+            <p:ph type="title"/>
           </p:nvPr>
         </p:nvSpPr>
         <p:spPr>
@@ -3529,10 +3465,7 @@
             </a:lvl1pPr>
           </a:lstStyle>
           <a:p>
-            <a:r>
-              <a:rPr lang="en-US" dirty="0"/>
-              <a:t>Click to add title</a:t>
-            </a:r>
+            <a:endParaRPr lang="en-US" dirty="0"/>
           </a:p>
         </p:txBody>
       </p:sp>
@@ -3549,7 +3482,7 @@
             <a:spLocks noGrp="1"/>
           </p:cNvSpPr>
           <p:nvPr>
-            <p:ph sz="quarter" idx="35" hasCustomPrompt="1"/>
+            <p:ph sz="quarter" idx="35"/>
           </p:nvPr>
         </p:nvSpPr>
         <p:spPr>
@@ -3643,31 +3576,7 @@
           </a:lstStyle>
           <a:p>
             <a:pPr lvl="0"/>
-            <a:r>
-              <a:rPr lang="en-US" dirty="0"/>
-              <a:t>Click to add content</a:t>
-            </a:r>
-          </a:p>
-          <a:p>
-            <a:pPr lvl="1"/>
-            <a:r>
-              <a:rPr lang="en-US" dirty="0"/>
-              <a:t>Second level</a:t>
-            </a:r>
-          </a:p>
-          <a:p>
-            <a:pPr lvl="2"/>
-            <a:r>
-              <a:rPr lang="en-US" dirty="0"/>
-              <a:t>Third level</a:t>
-            </a:r>
-          </a:p>
-          <a:p>
-            <a:pPr lvl="3"/>
-            <a:r>
-              <a:rPr lang="en-US" dirty="0"/>
-              <a:t>Fourth level</a:t>
-            </a:r>
+            <a:endParaRPr lang="en-US" dirty="0"/>
           </a:p>
         </p:txBody>
       </p:sp>
@@ -3684,7 +3593,7 @@
             <a:spLocks noGrp="1"/>
           </p:cNvSpPr>
           <p:nvPr>
-            <p:ph sz="quarter" idx="36" hasCustomPrompt="1"/>
+            <p:ph sz="quarter" idx="36"/>
           </p:nvPr>
         </p:nvSpPr>
         <p:spPr>
@@ -3778,31 +3687,7 @@
           </a:lstStyle>
           <a:p>
             <a:pPr lvl="0"/>
-            <a:r>
-              <a:rPr lang="en-US" dirty="0"/>
-              <a:t>Click to add content</a:t>
-            </a:r>
-          </a:p>
-          <a:p>
-            <a:pPr lvl="1"/>
-            <a:r>
-              <a:rPr lang="en-US" dirty="0"/>
-              <a:t>Second level</a:t>
-            </a:r>
-          </a:p>
-          <a:p>
-            <a:pPr lvl="2"/>
-            <a:r>
-              <a:rPr lang="en-US" dirty="0"/>
-              <a:t>Third level</a:t>
-            </a:r>
-          </a:p>
-          <a:p>
-            <a:pPr lvl="3"/>
-            <a:r>
-              <a:rPr lang="en-US" dirty="0"/>
-              <a:t>Fourth level</a:t>
-            </a:r>
+            <a:endParaRPr lang="en-US" dirty="0"/>
           </a:p>
         </p:txBody>
       </p:sp>
@@ -3842,10 +3727,7 @@
             </a:lvl1pPr>
           </a:lstStyle>
           <a:p>
-            <a:r>
-              <a:rPr lang="en-US" dirty="0"/>
-              <a:t>Presentation title</a:t>
-            </a:r>
+            <a:endParaRPr lang="en-US" dirty="0"/>
           </a:p>
         </p:txBody>
       </p:sp>
@@ -4555,10 +4437,6 @@
           </a:bodyPr>
           <a:lstStyle/>
           <a:p>
-            <a:r>
-              <a:rPr lang="en-US"/>
-              <a:t>Click to edit Master title style</a:t>
-            </a:r>
             <a:endParaRPr lang="en-US" dirty="0"/>
           </a:p>
         </p:txBody>
@@ -4595,38 +4473,6 @@
           <a:lstStyle/>
           <a:p>
             <a:pPr lvl="0"/>
-            <a:r>
-              <a:rPr lang="en-US"/>
-              <a:t>Click to edit Master text styles</a:t>
-            </a:r>
-          </a:p>
-          <a:p>
-            <a:pPr lvl="1"/>
-            <a:r>
-              <a:rPr lang="en-US"/>
-              <a:t>Second level</a:t>
-            </a:r>
-          </a:p>
-          <a:p>
-            <a:pPr lvl="2"/>
-            <a:r>
-              <a:rPr lang="en-US"/>
-              <a:t>Third level</a:t>
-            </a:r>
-          </a:p>
-          <a:p>
-            <a:pPr lvl="3"/>
-            <a:r>
-              <a:rPr lang="en-US"/>
-              <a:t>Fourth level</a:t>
-            </a:r>
-          </a:p>
-          <a:p>
-            <a:pPr lvl="4"/>
-            <a:r>
-              <a:rPr lang="en-US"/>
-              <a:t>Fifth level</a:t>
-            </a:r>
             <a:endParaRPr lang="en-US" dirty="0"/>
           </a:p>
         </p:txBody>
@@ -5084,6 +4930,61 @@
     </p:otherStyle>
   </p:txStyles>
 </p:sldMaster>
+</file>
+
+<file path=ppt/slides/slide1.xml><?xml version="1.0" encoding="utf-8"?>
+<p:sld xmlns:a="http://schemas.openxmlformats.org/drawingml/2006/main" xmlns:r="http://schemas.openxmlformats.org/officeDocument/2006/relationships" xmlns:p="http://schemas.openxmlformats.org/presentationml/2006/main">
+  <p:cSld>
+    <p:spTree>
+      <p:nvGrpSpPr>
+        <p:cNvPr id="1" name=""/>
+        <p:cNvGrpSpPr/>
+        <p:nvPr/>
+      </p:nvGrpSpPr>
+      <p:grpSpPr>
+        <a:xfrm>
+          <a:off x="0" y="0"/>
+          <a:ext cx="0" cy="0"/>
+          <a:chOff x="0" y="0"/>
+          <a:chExt cx="0" cy="0"/>
+        </a:xfrm>
+      </p:grpSpPr>
+      <p:sp>
+        <p:nvSpPr>
+          <p:cNvPr id="2" name="标题 1">
+            <a:extLst>
+              <a:ext uri="{FF2B5EF4-FFF2-40B4-BE49-F238E27FC236}">
+                <a16:creationId xmlns:a16="http://schemas.microsoft.com/office/drawing/2014/main" id="{3E6E531C-F9B0-A262-6DAB-46104F1B8592}"/>
+              </a:ext>
+            </a:extLst>
+          </p:cNvPr>
+          <p:cNvSpPr>
+            <a:spLocks noGrp="1"/>
+          </p:cNvSpPr>
+          <p:nvPr>
+            <p:ph type="title"/>
+          </p:nvPr>
+        </p:nvSpPr>
+        <p:spPr/>
+        <p:txBody>
+          <a:bodyPr/>
+          <a:lstStyle/>
+          <a:p>
+            <a:endParaRPr lang="zh-CN" altLang="en-US"/>
+          </a:p>
+        </p:txBody>
+      </p:sp>
+    </p:spTree>
+    <p:extLst>
+      <p:ext uri="{BB962C8B-B14F-4D97-AF65-F5344CB8AC3E}">
+        <p14:creationId xmlns:p14="http://schemas.microsoft.com/office/powerpoint/2010/main" val="3006217768"/>
+      </p:ext>
+    </p:extLst>
+  </p:cSld>
+  <p:clrMapOvr>
+    <a:masterClrMapping/>
+  </p:clrMapOvr>
+</p:sld>
 </file>
 
 <file path=ppt/theme/theme1.xml><?xml version="1.0" encoding="utf-8"?>
@@ -5878,6 +5779,15 @@
 </file>
 
 <file path=customXml/item1.xml><?xml version="1.0" encoding="utf-8"?>
+<?mso-contentType ?>
+<FormTemplates xmlns="http://schemas.microsoft.com/sharepoint/v3/contenttype/forms">
+  <Display>DocumentLibraryForm</Display>
+  <Edit>DocumentLibraryForm</Edit>
+  <New>DocumentLibraryForm</New>
+</FormTemplates>
+</file>
+
+<file path=customXml/item2.xml><?xml version="1.0" encoding="utf-8"?>
 <ct:contentTypeSchema xmlns:ct="http://schemas.microsoft.com/office/2006/metadata/contentType" xmlns:ma="http://schemas.microsoft.com/office/2006/metadata/properties/metaAttributes" ct:_="" ma:_="" ma:contentTypeName="Document" ma:contentTypeID="0x01010079F111ED35F8CC479449609E8A0923A6" ma:contentTypeVersion="28" ma:contentTypeDescription="Create a new document." ma:contentTypeScope="" ma:versionID="60f5a4f2d2b0abadcf532d48ebf9cb71">
   <xsd:schema xmlns:xsd="http://www.w3.org/2001/XMLSchema" xmlns:xs="http://www.w3.org/2001/XMLSchema" xmlns:p="http://schemas.microsoft.com/office/2006/metadata/properties" xmlns:ns1="http://schemas.microsoft.com/sharepoint/v3" xmlns:ns2="71af3243-3dd4-4a8d-8c0d-dd76da1f02a5" xmlns:ns3="16c05727-aa75-4e4a-9b5f-8a80a1165891" xmlns:ns4="230e9df3-be65-4c73-a93b-d1236ebd677e" targetNamespace="http://schemas.microsoft.com/office/2006/metadata/properties" ma:root="true" ma:fieldsID="7dd78129e6a1811f84807ad11c651531" ns1:_="" ns2:_="" ns3:_="" ns4:_="">
     <xsd:import namespace="http://schemas.microsoft.com/sharepoint/v3"/>
@@ -6189,15 +6099,6 @@
 </ct:contentTypeSchema>
 </file>
 
-<file path=customXml/item2.xml><?xml version="1.0" encoding="utf-8"?>
-<?mso-contentType ?>
-<FormTemplates xmlns="http://schemas.microsoft.com/sharepoint/v3/contenttype/forms">
-  <Display>DocumentLibraryForm</Display>
-  <Edit>DocumentLibraryForm</Edit>
-  <New>DocumentLibraryForm</New>
-</FormTemplates>
-</file>
-
 <file path=customXml/item3.xml><?xml version="1.0" encoding="utf-8"?>
 <p:properties xmlns:p="http://schemas.microsoft.com/office/2006/metadata/properties" xmlns:xsi="http://www.w3.org/2001/XMLSchema-instance" xmlns:pc="http://schemas.microsoft.com/office/infopath/2007/PartnerControls">
   <documentManagement>
@@ -6219,6 +6120,14 @@
 </file>
 
 <file path=customXml/itemProps1.xml><?xml version="1.0" encoding="utf-8"?>
+<ds:datastoreItem xmlns:ds="http://schemas.openxmlformats.org/officeDocument/2006/customXml" ds:itemID="{A78D9019-7CE1-4B77-8F5D-67F6576598CB}">
+  <ds:schemaRefs>
+    <ds:schemaRef ds:uri="http://schemas.microsoft.com/sharepoint/v3/contenttype/forms"/>
+  </ds:schemaRefs>
+</ds:datastoreItem>
+</file>
+
+<file path=customXml/itemProps2.xml><?xml version="1.0" encoding="utf-8"?>
 <ds:datastoreItem xmlns:ds="http://schemas.openxmlformats.org/officeDocument/2006/customXml" ds:itemID="{AF6E7B4D-FB62-47B7-AAA7-0DEC9938DB8A}">
   <ds:schemaRefs>
     <ds:schemaRef ds:uri="http://schemas.microsoft.com/office/2006/metadata/contentType"/>
@@ -6239,14 +6148,6 @@
 </ds:datastoreItem>
 </file>
 
-<file path=customXml/itemProps2.xml><?xml version="1.0" encoding="utf-8"?>
-<ds:datastoreItem xmlns:ds="http://schemas.openxmlformats.org/officeDocument/2006/customXml" ds:itemID="{A78D9019-7CE1-4B77-8F5D-67F6576598CB}">
-  <ds:schemaRefs>
-    <ds:schemaRef ds:uri="http://schemas.microsoft.com/sharepoint/v3/contenttype/forms"/>
-  </ds:schemaRefs>
-</ds:datastoreItem>
-</file>
-
 <file path=customXml/itemProps3.xml><?xml version="1.0" encoding="utf-8"?>
 <ds:datastoreItem xmlns:ds="http://schemas.openxmlformats.org/officeDocument/2006/customXml" ds:itemID="{E42E6C21-1752-4E06-9FE3-208D45ADB668}">
   <ds:schemaRefs>
